--- a/docs/OpenGISStack-Presentation.pptx
+++ b/docs/OpenGISStack-Presentation.pptx
@@ -18,6 +18,7 @@
     <p:sldId id="266" r:id="rId13"/>
     <p:sldId id="267" r:id="rId14"/>
     <p:sldId id="268" r:id="rId15"/>
+    <p:sldId id="269" r:id="rId16"/>
   </p:sldIdLst>
   <p:sldSz cx="12192000" cy="6858000"/>
   <p:notesSz cx="6858000" cy="12192000"/>
@@ -3451,8 +3452,8 @@
         </p:blipFill>
         <p:spPr bwMode="auto">
           <a:xfrm flipH="0" flipV="0">
-            <a:off x="-34144" y="-95248"/>
-            <a:ext cx="12248394" cy="6959228"/>
+            <a:off x="-34143" y="-95247"/>
+            <a:ext cx="12248393" cy="6959227"/>
           </a:xfrm>
           <a:prstGeom prst="rect">
             <a:avLst/>
@@ -3467,8 +3468,8 @@
         </p:nvSpPr>
         <p:spPr bwMode="auto">
           <a:xfrm flipH="0" flipV="0">
-            <a:off x="106915" y="21165"/>
-            <a:ext cx="11969748" cy="6730998"/>
+            <a:off x="105178" y="132982"/>
+            <a:ext cx="11969748" cy="6730997"/>
           </a:xfrm>
           <a:prstGeom prst="rect">
             <a:avLst/>
@@ -3498,6 +3499,15 @@
             <a:schemeClr val="lt1"/>
           </a:fontRef>
         </p:style>
+        <p:txBody>
+          <a:bodyPr/>
+          <a:p>
+            <a:pPr>
+              <a:defRPr/>
+            </a:pPr>
+            <a:endParaRPr/>
+          </a:p>
+        </p:txBody>
       </p:sp>
       <p:sp>
         <p:nvSpPr>
@@ -3508,7 +3518,7 @@
         <p:spPr bwMode="auto">
           <a:xfrm flipH="0" flipV="0">
             <a:off x="1178842" y="3828552"/>
-            <a:ext cx="10008636" cy="457235"/>
+            <a:ext cx="10015152" cy="822996"/>
           </a:xfrm>
           <a:prstGeom prst="rect">
             <a:avLst/>
@@ -3524,17 +3534,14 @@
               <a:defRPr/>
             </a:pPr>
             <a:r>
-              <a:rPr lang="en-US" sz="2400" b="0" i="0" u="none" strike="noStrike" cap="none" spc="0">
-                <a:solidFill>
-                  <a:schemeClr val="tx1"/>
-                </a:solidFill>
+              <a:rPr sz="4800">
                 <a:latin typeface="Almarai Bold"/>
                 <a:ea typeface="Almarai Bold"/>
                 <a:cs typeface="Almarai Bold"/>
               </a:rPr>
-              <a:t>https://github.com/kartoza/OpenSource-GIS-Stack</a:t>
-            </a:r>
-            <a:endParaRPr sz="2400">
+              <a:t>Mergin</a:t>
+            </a:r>
+            <a:endParaRPr sz="4800">
               <a:latin typeface="Almarai Bold"/>
               <a:ea typeface="Almarai Bold"/>
               <a:cs typeface="Almarai Bold"/>
@@ -3550,8 +3557,8 @@
         </p:nvSpPr>
         <p:spPr bwMode="auto">
           <a:xfrm flipH="0" flipV="0">
-            <a:off x="657524" y="293382"/>
-            <a:ext cx="11077326" cy="3640376"/>
+            <a:off x="865690" y="293382"/>
+            <a:ext cx="8217012" cy="3640376"/>
           </a:xfrm>
           <a:prstGeom prst="rect">
             <a:avLst/>
@@ -3572,7 +3579,7 @@
                 <a:ea typeface="Almarai Bold"/>
                 <a:cs typeface="Almarai Bold"/>
               </a:rPr>
-              <a:t>GitHub</a:t>
+              <a:t>7.</a:t>
             </a:r>
             <a:endParaRPr sz="25500">
               <a:latin typeface="Almarai Bold"/>
@@ -3591,7 +3598,7 @@
         <p:spPr bwMode="auto">
           <a:xfrm flipH="0" flipV="0">
             <a:off x="1178842" y="4911531"/>
-            <a:ext cx="10011839" cy="457235"/>
+            <a:ext cx="10016627" cy="457235"/>
           </a:xfrm>
           <a:prstGeom prst="rect">
             <a:avLst/>
@@ -3618,7 +3625,21 @@
                 <a:ea typeface="Almarai Bold"/>
                 <a:cs typeface="Almarai Bold"/>
               </a:rPr>
-              <a:t>“You too can be a maximalist!”</a:t>
+              <a:t>“</a:t>
+            </a:r>
+            <a:r>
+              <a:rPr lang="en-US" sz="2400" b="0" i="0" u="none" strike="noStrike" cap="none" spc="0">
+                <a:solidFill>
+                  <a:schemeClr val="tx1">
+                    <a:lumMod val="50000"/>
+                    <a:lumOff val="50000"/>
+                  </a:schemeClr>
+                </a:solidFill>
+                <a:latin typeface="Almarai Bold"/>
+                <a:ea typeface="Almarai Bold"/>
+                <a:cs typeface="Almarai Bold"/>
+              </a:rPr>
+              <a:t>docker-compose --profile=mergin up -d mergin-sync”</a:t>
             </a:r>
             <a:endParaRPr sz="2400">
               <a:solidFill>
@@ -3634,6 +3655,50 @@
           </a:p>
         </p:txBody>
       </p:sp>
+      <p:pic>
+        <p:nvPicPr>
+          <p:cNvPr id="9" name="" hidden="0"/>
+          <p:cNvPicPr>
+            <a:picLocks noChangeAspect="1"/>
+          </p:cNvPicPr>
+          <p:nvPr isPhoto="0" userDrawn="0"/>
+        </p:nvPicPr>
+        <p:blipFill>
+          <a:blip r:embed="rId3"/>
+          <a:stretch/>
+        </p:blipFill>
+        <p:spPr bwMode="auto">
+          <a:xfrm flipH="0" flipV="0">
+            <a:off x="9609174" y="415631"/>
+            <a:ext cx="2114985" cy="1495424"/>
+          </a:xfrm>
+          <a:prstGeom prst="rect">
+            <a:avLst/>
+          </a:prstGeom>
+        </p:spPr>
+      </p:pic>
+      <p:pic>
+        <p:nvPicPr>
+          <p:cNvPr id="10" name="" hidden="0"/>
+          <p:cNvPicPr>
+            <a:picLocks noChangeAspect="1"/>
+          </p:cNvPicPr>
+          <p:nvPr isPhoto="0" userDrawn="0"/>
+        </p:nvPicPr>
+        <p:blipFill>
+          <a:blip r:embed="rId4"/>
+          <a:stretch/>
+        </p:blipFill>
+        <p:spPr bwMode="auto">
+          <a:xfrm flipH="0" flipV="0">
+            <a:off x="9609414" y="2113570"/>
+            <a:ext cx="2114744" cy="1069619"/>
+          </a:xfrm>
+          <a:prstGeom prst="rect">
+            <a:avLst/>
+          </a:prstGeom>
+        </p:spPr>
+      </p:pic>
     </p:spTree>
   </p:cSld>
   <p:clrMapOvr>
@@ -3682,7 +3747,7 @@
         </p:blipFill>
         <p:spPr bwMode="auto">
           <a:xfrm flipH="0" flipV="0">
-            <a:off x="-34144" y="-95247"/>
+            <a:off x="-34144" y="-95248"/>
             <a:ext cx="12248394" cy="6959228"/>
           </a:xfrm>
           <a:prstGeom prst="rect">
@@ -3729,6 +3794,141 @@
             <a:schemeClr val="lt1"/>
           </a:fontRef>
         </p:style>
+      </p:sp>
+      <p:sp>
+        <p:nvSpPr>
+          <p:cNvPr id="6" name="" hidden="0"/>
+          <p:cNvSpPr/>
+          <p:nvPr isPhoto="0" userDrawn="0"/>
+        </p:nvSpPr>
+        <p:spPr bwMode="auto">
+          <a:xfrm flipH="0" flipV="0">
+            <a:off x="1178842" y="3828552"/>
+            <a:ext cx="10008636" cy="457235"/>
+          </a:xfrm>
+          <a:prstGeom prst="rect">
+            <a:avLst/>
+          </a:prstGeom>
+          <a:noFill/>
+        </p:spPr>
+        <p:txBody>
+          <a:bodyPr vertOverflow="overflow" horzOverflow="clip" vert="horz" wrap="square" lIns="91440" tIns="45720" rIns="91440" bIns="45720" numCol="1" spcCol="0" rtlCol="0" fromWordArt="0" anchor="t" anchorCtr="0" forceAA="0" upright="0" compatLnSpc="0">
+            <a:spAutoFit/>
+          </a:bodyPr>
+          <a:p>
+            <a:pPr>
+              <a:defRPr/>
+            </a:pPr>
+            <a:r>
+              <a:rPr lang="en-US" sz="2400" b="0" i="0" u="none" strike="noStrike" cap="none" spc="0">
+                <a:solidFill>
+                  <a:schemeClr val="tx1"/>
+                </a:solidFill>
+                <a:latin typeface="Almarai Bold"/>
+                <a:ea typeface="Almarai Bold"/>
+                <a:cs typeface="Almarai Bold"/>
+              </a:rPr>
+              <a:t>https://github.com/kartoza/OpenSource-GIS-Stack</a:t>
+            </a:r>
+            <a:endParaRPr sz="2400">
+              <a:latin typeface="Almarai Bold"/>
+              <a:ea typeface="Almarai Bold"/>
+              <a:cs typeface="Almarai Bold"/>
+            </a:endParaRPr>
+          </a:p>
+        </p:txBody>
+      </p:sp>
+      <p:sp>
+        <p:nvSpPr>
+          <p:cNvPr id="7" name="" hidden="0"/>
+          <p:cNvSpPr/>
+          <p:nvPr isPhoto="0" userDrawn="0"/>
+        </p:nvSpPr>
+        <p:spPr bwMode="auto">
+          <a:xfrm flipH="0" flipV="0">
+            <a:off x="657524" y="293382"/>
+            <a:ext cx="11077326" cy="3640376"/>
+          </a:xfrm>
+          <a:prstGeom prst="rect">
+            <a:avLst/>
+          </a:prstGeom>
+          <a:noFill/>
+        </p:spPr>
+        <p:txBody>
+          <a:bodyPr vertOverflow="overflow" horzOverflow="clip" vert="horz" wrap="square" lIns="91440" tIns="45720" rIns="91440" bIns="45720" numCol="1" spcCol="0" rtlCol="0" fromWordArt="0" anchor="t" anchorCtr="0" forceAA="0" upright="0" compatLnSpc="0">
+            <a:noAutofit/>
+          </a:bodyPr>
+          <a:p>
+            <a:pPr>
+              <a:defRPr/>
+            </a:pPr>
+            <a:r>
+              <a:rPr sz="25500">
+                <a:latin typeface="Almarai Bold"/>
+                <a:ea typeface="Almarai Bold"/>
+                <a:cs typeface="Almarai Bold"/>
+              </a:rPr>
+              <a:t>GitHub</a:t>
+            </a:r>
+            <a:endParaRPr sz="25500">
+              <a:latin typeface="Almarai Bold"/>
+              <a:ea typeface="Almarai Bold"/>
+              <a:cs typeface="Almarai Bold"/>
+            </a:endParaRPr>
+          </a:p>
+        </p:txBody>
+      </p:sp>
+      <p:sp>
+        <p:nvSpPr>
+          <p:cNvPr id="8" name="" hidden="0"/>
+          <p:cNvSpPr/>
+          <p:nvPr isPhoto="0" userDrawn="0"/>
+        </p:nvSpPr>
+        <p:spPr bwMode="auto">
+          <a:xfrm flipH="0" flipV="0">
+            <a:off x="1178842" y="4911531"/>
+            <a:ext cx="10011839" cy="457235"/>
+          </a:xfrm>
+          <a:prstGeom prst="rect">
+            <a:avLst/>
+          </a:prstGeom>
+          <a:noFill/>
+        </p:spPr>
+        <p:txBody>
+          <a:bodyPr vertOverflow="overflow" horzOverflow="clip" vert="horz" wrap="square" lIns="91440" tIns="45720" rIns="91440" bIns="45720" numCol="1" spcCol="0" rtlCol="0" fromWordArt="0" anchor="t" anchorCtr="0" forceAA="0" upright="0" compatLnSpc="0">
+            <a:spAutoFit/>
+          </a:bodyPr>
+          <a:p>
+            <a:pPr algn="l">
+              <a:defRPr/>
+            </a:pPr>
+            <a:r>
+              <a:rPr sz="2400">
+                <a:solidFill>
+                  <a:schemeClr val="tx1">
+                    <a:lumMod val="50000"/>
+                    <a:lumOff val="50000"/>
+                  </a:schemeClr>
+                </a:solidFill>
+                <a:latin typeface="Almarai Bold"/>
+                <a:ea typeface="Almarai Bold"/>
+                <a:cs typeface="Almarai Bold"/>
+              </a:rPr>
+              <a:t>“You too can be a maximalist!”</a:t>
+            </a:r>
+            <a:endParaRPr sz="2400">
+              <a:solidFill>
+                <a:schemeClr val="tx1">
+                  <a:lumMod val="50000"/>
+                  <a:lumOff val="50000"/>
+                </a:schemeClr>
+              </a:solidFill>
+              <a:latin typeface="Almarai Bold"/>
+              <a:ea typeface="Almarai Bold"/>
+              <a:cs typeface="Almarai Bold"/>
+            </a:endParaRPr>
+          </a:p>
+        </p:txBody>
       </p:sp>
     </p:spTree>
   </p:cSld>
@@ -3859,6 +4059,102 @@
           <a:chExt cx="0" cy="0"/>
         </a:xfrm>
       </p:grpSpPr>
+      <p:pic>
+        <p:nvPicPr>
+          <p:cNvPr id="4" name="" hidden="0"/>
+          <p:cNvPicPr>
+            <a:picLocks noChangeAspect="1"/>
+          </p:cNvPicPr>
+          <p:nvPr isPhoto="0" userDrawn="0"/>
+        </p:nvPicPr>
+        <p:blipFill>
+          <a:blip r:embed="rId2"/>
+          <a:srcRect l="598" t="2493" r="492" b="1155"/>
+          <a:stretch/>
+        </p:blipFill>
+        <p:spPr bwMode="auto">
+          <a:xfrm flipH="0" flipV="0">
+            <a:off x="-34144" y="-95247"/>
+            <a:ext cx="12248394" cy="6959228"/>
+          </a:xfrm>
+          <a:prstGeom prst="rect">
+            <a:avLst/>
+          </a:prstGeom>
+        </p:spPr>
+      </p:pic>
+      <p:sp>
+        <p:nvSpPr>
+          <p:cNvPr id="5" name="" hidden="0"/>
+          <p:cNvSpPr/>
+          <p:nvPr isPhoto="0" userDrawn="0"/>
+        </p:nvSpPr>
+        <p:spPr bwMode="auto">
+          <a:xfrm flipH="0" flipV="0">
+            <a:off x="106915" y="21165"/>
+            <a:ext cx="11969748" cy="6730998"/>
+          </a:xfrm>
+          <a:prstGeom prst="rect">
+            <a:avLst/>
+          </a:prstGeom>
+          <a:solidFill>
+            <a:schemeClr val="bg1"/>
+          </a:solidFill>
+          <a:ln w="12700" cap="flat" cmpd="sng" algn="ctr">
+            <a:noFill/>
+            <a:prstDash val="solid"/>
+            <a:miter/>
+          </a:ln>
+        </p:spPr>
+        <p:style>
+          <a:lnRef idx="2">
+            <a:schemeClr val="accent1">
+              <a:shade val="50000"/>
+            </a:schemeClr>
+          </a:lnRef>
+          <a:fillRef idx="1">
+            <a:schemeClr val="accent1"/>
+          </a:fillRef>
+          <a:effectRef idx="0">
+            <a:schemeClr val="accent1"/>
+          </a:effectRef>
+          <a:fontRef idx="minor">
+            <a:schemeClr val="lt1"/>
+          </a:fontRef>
+        </p:style>
+      </p:sp>
+    </p:spTree>
+  </p:cSld>
+  <p:clrMapOvr>
+    <a:masterClrMapping/>
+  </p:clrMapOvr>
+  <mc:AlternateContent xmlns:mc="http://schemas.openxmlformats.org/markup-compatibility/2006">
+    <mc:Choice xmlns:p14="http://schemas.microsoft.com/office/powerpoint/2010/main" Requires="p14">
+      <p:transition p14:dur="2000" advClick="1"/>
+    </mc:Choice>
+    <mc:Fallback>
+      <p:transition advClick="1"/>
+    </mc:Fallback>
+  </mc:AlternateContent>
+</p:sld>
+</file>
+
+<file path=ppt/slides/slide14.xml><?xml version="1.0" encoding="utf-8"?>
+<p:sld xmlns:a="http://schemas.openxmlformats.org/drawingml/2006/main" xmlns:r="http://schemas.openxmlformats.org/officeDocument/2006/relationships" xmlns:p="http://schemas.openxmlformats.org/presentationml/2006/main" xmlns:m="http://schemas.openxmlformats.org/officeDocument/2006/math" xmlns:w="http://schemas.openxmlformats.org/wordprocessingml/2006/main" showMasterPhAnim="0" show="1">
+  <p:cSld name="">
+    <p:spTree>
+      <p:nvGrpSpPr>
+        <p:cNvPr id="1" name="" hidden="0"/>
+        <p:cNvGrpSpPr/>
+        <p:nvPr isPhoto="0" userDrawn="0"/>
+      </p:nvGrpSpPr>
+      <p:grpSpPr bwMode="auto">
+        <a:xfrm>
+          <a:off x="0" y="0"/>
+          <a:ext cx="0" cy="0"/>
+          <a:chOff x="0" y="0"/>
+          <a:chExt cx="0" cy="0"/>
+        </a:xfrm>
+      </p:grpSpPr>
       <p:sp>
         <p:nvSpPr>
           <p:cNvPr id="4" name="Title 1" hidden="0"/>
@@ -4145,7 +4441,7 @@
         </p:blipFill>
         <p:spPr bwMode="auto">
           <a:xfrm flipH="0" flipV="0">
-            <a:off x="5845412" y="4544340"/>
+            <a:off x="5778737" y="3772815"/>
             <a:ext cx="3426698" cy="1142232"/>
           </a:xfrm>
           <a:prstGeom prst="rect">
@@ -4191,6 +4487,28 @@
           <a:xfrm flipH="0" flipV="0">
             <a:off x="513461" y="4224691"/>
             <a:ext cx="1934192" cy="1934192"/>
+          </a:xfrm>
+          <a:prstGeom prst="rect">
+            <a:avLst/>
+          </a:prstGeom>
+        </p:spPr>
+      </p:pic>
+      <p:pic>
+        <p:nvPicPr>
+          <p:cNvPr id="15" name="" hidden="0"/>
+          <p:cNvPicPr>
+            <a:picLocks noChangeAspect="1"/>
+          </p:cNvPicPr>
+          <p:nvPr isPhoto="0" userDrawn="0"/>
+        </p:nvPicPr>
+        <p:blipFill>
+          <a:blip r:embed="rId12"/>
+          <a:stretch/>
+        </p:blipFill>
+        <p:spPr bwMode="auto">
+          <a:xfrm flipH="0" flipV="0">
+            <a:off x="7899093" y="5714758"/>
+            <a:ext cx="3796687" cy="1037404"/>
           </a:xfrm>
           <a:prstGeom prst="rect">
             <a:avLst/>
@@ -4240,191 +4558,18 @@
         </p:nvPicPr>
         <p:blipFill>
           <a:blip r:embed="rId2"/>
-          <a:srcRect l="598" t="2493" r="492" b="1155"/>
           <a:stretch/>
         </p:blipFill>
         <p:spPr bwMode="auto">
-          <a:xfrm flipH="0" flipV="0">
-            <a:off x="-34143" y="-95247"/>
-            <a:ext cx="12248393" cy="6959227"/>
+          <a:xfrm>
+            <a:off x="1958491" y="0"/>
+            <a:ext cx="8275016" cy="6858000"/>
           </a:xfrm>
           <a:prstGeom prst="rect">
             <a:avLst/>
           </a:prstGeom>
         </p:spPr>
       </p:pic>
-      <p:sp>
-        <p:nvSpPr>
-          <p:cNvPr id="5" name="" hidden="0"/>
-          <p:cNvSpPr/>
-          <p:nvPr isPhoto="0" userDrawn="0"/>
-        </p:nvSpPr>
-        <p:spPr bwMode="auto">
-          <a:xfrm flipH="0" flipV="0">
-            <a:off x="106914" y="21164"/>
-            <a:ext cx="11969748" cy="6730997"/>
-          </a:xfrm>
-          <a:prstGeom prst="rect">
-            <a:avLst/>
-          </a:prstGeom>
-          <a:solidFill>
-            <a:schemeClr val="bg1"/>
-          </a:solidFill>
-          <a:ln w="12700" cap="flat" cmpd="sng" algn="ctr">
-            <a:noFill/>
-            <a:prstDash val="solid"/>
-            <a:miter/>
-          </a:ln>
-        </p:spPr>
-        <p:style>
-          <a:lnRef idx="2">
-            <a:schemeClr val="accent1">
-              <a:shade val="50000"/>
-            </a:schemeClr>
-          </a:lnRef>
-          <a:fillRef idx="1">
-            <a:schemeClr val="accent1"/>
-          </a:fillRef>
-          <a:effectRef idx="0">
-            <a:schemeClr val="accent1"/>
-          </a:effectRef>
-          <a:fontRef idx="minor">
-            <a:schemeClr val="lt1"/>
-          </a:fontRef>
-        </p:style>
-      </p:sp>
-      <p:sp>
-        <p:nvSpPr>
-          <p:cNvPr id="6" name="" hidden="0"/>
-          <p:cNvSpPr/>
-          <p:nvPr isPhoto="0" userDrawn="0"/>
-        </p:nvSpPr>
-        <p:spPr bwMode="auto">
-          <a:xfrm flipH="0" flipV="0">
-            <a:off x="1178842" y="3828552"/>
-            <a:ext cx="10009320" cy="822996"/>
-          </a:xfrm>
-          <a:prstGeom prst="rect">
-            <a:avLst/>
-          </a:prstGeom>
-          <a:noFill/>
-        </p:spPr>
-        <p:txBody>
-          <a:bodyPr vertOverflow="overflow" horzOverflow="clip" vert="horz" wrap="square" lIns="91440" tIns="45720" rIns="91440" bIns="45720" numCol="1" spcCol="0" rtlCol="0" fromWordArt="0" anchor="t" anchorCtr="0" forceAA="0" upright="0" compatLnSpc="0">
-            <a:spAutoFit/>
-          </a:bodyPr>
-          <a:p>
-            <a:pPr>
-              <a:defRPr/>
-            </a:pPr>
-            <a:r>
-              <a:rPr sz="4800">
-                <a:latin typeface="Almarai Bold"/>
-                <a:ea typeface="Almarai Bold"/>
-                <a:cs typeface="Almarai Bold"/>
-              </a:rPr>
-              <a:t>Deploying your stack</a:t>
-            </a:r>
-            <a:endParaRPr sz="4800">
-              <a:latin typeface="Almarai Bold"/>
-              <a:ea typeface="Almarai Bold"/>
-              <a:cs typeface="Almarai Bold"/>
-            </a:endParaRPr>
-          </a:p>
-        </p:txBody>
-      </p:sp>
-      <p:sp>
-        <p:nvSpPr>
-          <p:cNvPr id="7" name="" hidden="0"/>
-          <p:cNvSpPr/>
-          <p:nvPr isPhoto="0" userDrawn="0"/>
-        </p:nvSpPr>
-        <p:spPr bwMode="auto">
-          <a:xfrm flipH="0" flipV="0">
-            <a:off x="865690" y="293382"/>
-            <a:ext cx="8217012" cy="3640376"/>
-          </a:xfrm>
-          <a:prstGeom prst="rect">
-            <a:avLst/>
-          </a:prstGeom>
-          <a:noFill/>
-        </p:spPr>
-        <p:txBody>
-          <a:bodyPr vertOverflow="overflow" horzOverflow="clip" vert="horz" wrap="square" lIns="91440" tIns="45720" rIns="91440" bIns="45720" numCol="1" spcCol="0" rtlCol="0" fromWordArt="0" anchor="t" anchorCtr="0" forceAA="0" upright="0" compatLnSpc="0">
-            <a:noAutofit/>
-          </a:bodyPr>
-          <a:p>
-            <a:pPr>
-              <a:defRPr/>
-            </a:pPr>
-            <a:r>
-              <a:rPr sz="25500">
-                <a:latin typeface="Almarai Bold"/>
-                <a:ea typeface="Almarai Bold"/>
-                <a:cs typeface="Almarai Bold"/>
-              </a:rPr>
-              <a:t>1.</a:t>
-            </a:r>
-            <a:endParaRPr sz="25500">
-              <a:latin typeface="Almarai Bold"/>
-              <a:ea typeface="Almarai Bold"/>
-              <a:cs typeface="Almarai Bold"/>
-            </a:endParaRPr>
-          </a:p>
-        </p:txBody>
-      </p:sp>
-      <p:sp>
-        <p:nvSpPr>
-          <p:cNvPr id="8" name="" hidden="0"/>
-          <p:cNvSpPr/>
-          <p:nvPr isPhoto="0" userDrawn="0"/>
-        </p:nvSpPr>
-        <p:spPr bwMode="auto">
-          <a:xfrm flipH="0" flipV="0">
-            <a:off x="1178842" y="4911531"/>
-            <a:ext cx="10013027" cy="457235"/>
-          </a:xfrm>
-          <a:prstGeom prst="rect">
-            <a:avLst/>
-          </a:prstGeom>
-          <a:noFill/>
-        </p:spPr>
-        <p:txBody>
-          <a:bodyPr vertOverflow="overflow" horzOverflow="clip" vert="horz" wrap="square" lIns="91440" tIns="45720" rIns="91440" bIns="45720" numCol="1" spcCol="0" rtlCol="0" fromWordArt="0" anchor="t" anchorCtr="0" forceAA="0" upright="0" compatLnSpc="0">
-            <a:spAutoFit/>
-          </a:bodyPr>
-          <a:p>
-            <a:pPr algn="l">
-              <a:defRPr/>
-            </a:pPr>
-            <a:r>
-              <a:rPr sz="2400">
-                <a:solidFill>
-                  <a:schemeClr val="tx1">
-                    <a:lumMod val="50000"/>
-                    <a:lumOff val="50000"/>
-                  </a:schemeClr>
-                </a:solidFill>
-                <a:latin typeface="Almarai Bold"/>
-                <a:ea typeface="Almarai Bold"/>
-                <a:cs typeface="Almarai Bold"/>
-              </a:rPr>
-              <a:t>“from zero to hero”</a:t>
-            </a:r>
-            <a:endParaRPr sz="2400">
-              <a:solidFill>
-                <a:schemeClr val="tx1">
-                  <a:lumMod val="50000"/>
-                  <a:lumOff val="50000"/>
-                </a:schemeClr>
-              </a:solidFill>
-              <a:latin typeface="Almarai Bold"/>
-              <a:ea typeface="Almarai Bold"/>
-              <a:cs typeface="Almarai Bold"/>
-            </a:endParaRPr>
-          </a:p>
-        </p:txBody>
-      </p:sp>
     </p:spTree>
   </p:cSld>
   <p:clrMapOvr>
@@ -4530,7 +4675,7 @@
         <p:spPr bwMode="auto">
           <a:xfrm flipH="0" flipV="0">
             <a:off x="1178842" y="3828552"/>
-            <a:ext cx="10010184" cy="822996"/>
+            <a:ext cx="10009320" cy="822996"/>
           </a:xfrm>
           <a:prstGeom prst="rect">
             <a:avLst/>
@@ -4551,7 +4696,7 @@
                 <a:ea typeface="Almarai Bold"/>
                 <a:cs typeface="Almarai Bold"/>
               </a:rPr>
-              <a:t>Connecting to PostgreSQL</a:t>
+              <a:t>Deploying your stack</a:t>
             </a:r>
             <a:endParaRPr sz="4800">
               <a:latin typeface="Almarai Bold"/>
@@ -4591,7 +4736,7 @@
                 <a:ea typeface="Almarai Bold"/>
                 <a:cs typeface="Almarai Bold"/>
               </a:rPr>
-              <a:t>2.</a:t>
+              <a:t>1.</a:t>
             </a:r>
             <a:endParaRPr sz="25500">
               <a:latin typeface="Almarai Bold"/>
@@ -4610,7 +4755,7 @@
         <p:spPr bwMode="auto">
           <a:xfrm flipH="0" flipV="0">
             <a:off x="1178842" y="4911531"/>
-            <a:ext cx="10013243" cy="457235"/>
+            <a:ext cx="10013027" cy="457235"/>
           </a:xfrm>
           <a:prstGeom prst="rect">
             <a:avLst/>
@@ -4637,7 +4782,7 @@
                 <a:ea typeface="Almarai Bold"/>
                 <a:cs typeface="Almarai Bold"/>
               </a:rPr>
-              <a:t>“select * from postgis”</a:t>
+              <a:t>“from zero to hero”</a:t>
             </a:r>
             <a:endParaRPr sz="2400">
               <a:solidFill>
@@ -4653,28 +4798,6 @@
           </a:p>
         </p:txBody>
       </p:sp>
-      <p:pic>
-        <p:nvPicPr>
-          <p:cNvPr id="9" name="" hidden="0"/>
-          <p:cNvPicPr>
-            <a:picLocks noChangeAspect="1"/>
-          </p:cNvPicPr>
-          <p:nvPr isPhoto="0" userDrawn="0"/>
-        </p:nvPicPr>
-        <p:blipFill>
-          <a:blip r:embed="rId3"/>
-          <a:stretch/>
-        </p:blipFill>
-        <p:spPr bwMode="auto">
-          <a:xfrm flipH="0" flipV="0">
-            <a:off x="9686838" y="293381"/>
-            <a:ext cx="1847243" cy="2712173"/>
-          </a:xfrm>
-          <a:prstGeom prst="rect">
-            <a:avLst/>
-          </a:prstGeom>
-        </p:spPr>
-      </p:pic>
     </p:spTree>
   </p:cSld>
   <p:clrMapOvr>
@@ -4723,8 +4846,8 @@
         </p:blipFill>
         <p:spPr bwMode="auto">
           <a:xfrm flipH="0" flipV="0">
-            <a:off x="-34144" y="-95247"/>
-            <a:ext cx="12248394" cy="6959228"/>
+            <a:off x="-34143" y="-95247"/>
+            <a:ext cx="12248393" cy="6959227"/>
           </a:xfrm>
           <a:prstGeom prst="rect">
             <a:avLst/>
@@ -4739,8 +4862,8 @@
         </p:nvSpPr>
         <p:spPr bwMode="auto">
           <a:xfrm flipH="0" flipV="0">
-            <a:off x="106915" y="21165"/>
-            <a:ext cx="11969748" cy="6730998"/>
+            <a:off x="106914" y="21164"/>
+            <a:ext cx="11969748" cy="6730997"/>
           </a:xfrm>
           <a:prstGeom prst="rect">
             <a:avLst/>
@@ -4780,7 +4903,7 @@
         <p:spPr bwMode="auto">
           <a:xfrm flipH="0" flipV="0">
             <a:off x="1178842" y="3828552"/>
-            <a:ext cx="10011120" cy="822996"/>
+            <a:ext cx="10010184" cy="822996"/>
           </a:xfrm>
           <a:prstGeom prst="rect">
             <a:avLst/>
@@ -4801,7 +4924,7 @@
                 <a:ea typeface="Almarai Bold"/>
                 <a:cs typeface="Almarai Bold"/>
               </a:rPr>
-              <a:t>Open Street Map Data</a:t>
+              <a:t>Connecting to PostgreSQL</a:t>
             </a:r>
             <a:endParaRPr sz="4800">
               <a:latin typeface="Almarai Bold"/>
@@ -4841,7 +4964,7 @@
                 <a:ea typeface="Almarai Bold"/>
                 <a:cs typeface="Almarai Bold"/>
               </a:rPr>
-              <a:t>3.</a:t>
+              <a:t>2.</a:t>
             </a:r>
             <a:endParaRPr sz="25500">
               <a:latin typeface="Almarai Bold"/>
@@ -4860,7 +4983,7 @@
         <p:spPr bwMode="auto">
           <a:xfrm flipH="0" flipV="0">
             <a:off x="1178842" y="4911531"/>
-            <a:ext cx="10013459" cy="457235"/>
+            <a:ext cx="10013243" cy="457235"/>
           </a:xfrm>
           <a:prstGeom prst="rect">
             <a:avLst/>
@@ -4887,35 +5010,7 @@
                 <a:ea typeface="Almarai Bold"/>
                 <a:cs typeface="Almarai Bold"/>
               </a:rPr>
-              <a:t>“</a:t>
-            </a:r>
-            <a:r>
-              <a:rPr lang="en-US" sz="2400" b="0" i="0" u="none" strike="noStrike" cap="none" spc="0">
-                <a:solidFill>
-                  <a:schemeClr val="tx1">
-                    <a:lumMod val="50000"/>
-                    <a:lumOff val="50000"/>
-                  </a:schemeClr>
-                </a:solidFill>
-                <a:latin typeface="Almarai Bold"/>
-                <a:ea typeface="Almarai Bold"/>
-                <a:cs typeface="Almarai Bold"/>
-              </a:rPr>
-              <a:t>docker-compose --profile=osm up -d</a:t>
-            </a:r>
-            <a:r>
-              <a:rPr sz="2400">
-                <a:solidFill>
-                  <a:schemeClr val="tx1">
-                    <a:lumMod val="50000"/>
-                    <a:lumOff val="50000"/>
-                  </a:schemeClr>
-                </a:solidFill>
-                <a:latin typeface="Almarai Bold"/>
-                <a:ea typeface="Almarai Bold"/>
-                <a:cs typeface="Almarai Bold"/>
-              </a:rPr>
-              <a:t>”</a:t>
+              <a:t>“select * from postgis”</a:t>
             </a:r>
             <a:endParaRPr sz="2400">
               <a:solidFill>
@@ -4945,60 +5040,14 @@
         </p:blipFill>
         <p:spPr bwMode="auto">
           <a:xfrm flipH="0" flipV="0">
-            <a:off x="9391131" y="821583"/>
-            <a:ext cx="1934191" cy="1934191"/>
+            <a:off x="9686838" y="293381"/>
+            <a:ext cx="1847243" cy="2712173"/>
           </a:xfrm>
           <a:prstGeom prst="rect">
             <a:avLst/>
           </a:prstGeom>
         </p:spPr>
       </p:pic>
-      <p:sp>
-        <p:nvSpPr>
-          <p:cNvPr id="10" name="" hidden="0"/>
-          <p:cNvSpPr/>
-          <p:nvPr isPhoto="0" userDrawn="0"/>
-        </p:nvSpPr>
-        <p:spPr bwMode="auto">
-          <a:xfrm rot="19343376" flipH="0" flipV="0">
-            <a:off x="123985" y="950020"/>
-            <a:ext cx="2837764" cy="822996"/>
-          </a:xfrm>
-          <a:prstGeom prst="rect">
-            <a:avLst/>
-          </a:prstGeom>
-          <a:noFill/>
-        </p:spPr>
-        <p:txBody>
-          <a:bodyPr vertOverflow="overflow" horzOverflow="clip" vert="horz" wrap="square" lIns="91440" tIns="45720" rIns="91440" bIns="45720" numCol="1" spcCol="0" rtlCol="0" fromWordArt="0" anchor="t" anchorCtr="0" forceAA="0" upright="0" compatLnSpc="0">
-            <a:noAutofit/>
-          </a:bodyPr>
-          <a:p>
-            <a:pPr>
-              <a:defRPr/>
-            </a:pPr>
-            <a:r>
-              <a:rPr sz="4800">
-                <a:solidFill>
-                  <a:srgbClr val="FF0000"/>
-                </a:solidFill>
-                <a:latin typeface="Almarai Bold"/>
-                <a:ea typeface="Almarai Bold"/>
-                <a:cs typeface="Almarai Bold"/>
-              </a:rPr>
-              <a:t>in review</a:t>
-            </a:r>
-            <a:endParaRPr sz="4800">
-              <a:solidFill>
-                <a:srgbClr val="FF0000"/>
-              </a:solidFill>
-              <a:latin typeface="Almarai Bold"/>
-              <a:ea typeface="Almarai Bold"/>
-              <a:cs typeface="Almarai Bold"/>
-            </a:endParaRPr>
-          </a:p>
-        </p:txBody>
-      </p:sp>
     </p:spTree>
   </p:cSld>
   <p:clrMapOvr>
@@ -5047,8 +5096,8 @@
         </p:blipFill>
         <p:spPr bwMode="auto">
           <a:xfrm flipH="0" flipV="0">
-            <a:off x="-34143" y="-95247"/>
-            <a:ext cx="12248393" cy="6959227"/>
+            <a:off x="-34144" y="-95247"/>
+            <a:ext cx="12248394" cy="6959228"/>
           </a:xfrm>
           <a:prstGeom prst="rect">
             <a:avLst/>
@@ -5063,8 +5112,8 @@
         </p:nvSpPr>
         <p:spPr bwMode="auto">
           <a:xfrm flipH="0" flipV="0">
-            <a:off x="106914" y="21164"/>
-            <a:ext cx="11969748" cy="6730997"/>
+            <a:off x="106915" y="21165"/>
+            <a:ext cx="11969748" cy="6730998"/>
           </a:xfrm>
           <a:prstGeom prst="rect">
             <a:avLst/>
@@ -5104,7 +5153,7 @@
         <p:spPr bwMode="auto">
           <a:xfrm flipH="0" flipV="0">
             <a:off x="1178842" y="3828552"/>
-            <a:ext cx="10012380" cy="822996"/>
+            <a:ext cx="10011120" cy="822996"/>
           </a:xfrm>
           <a:prstGeom prst="rect">
             <a:avLst/>
@@ -5125,7 +5174,7 @@
                 <a:ea typeface="Almarai Bold"/>
                 <a:cs typeface="Almarai Bold"/>
               </a:rPr>
-              <a:t>Publishing a QGIS Project</a:t>
+              <a:t>Open Street Map Data</a:t>
             </a:r>
             <a:endParaRPr sz="4800">
               <a:latin typeface="Almarai Bold"/>
@@ -5165,7 +5214,7 @@
                 <a:ea typeface="Almarai Bold"/>
                 <a:cs typeface="Almarai Bold"/>
               </a:rPr>
-              <a:t>4.</a:t>
+              <a:t>3.</a:t>
             </a:r>
             <a:endParaRPr sz="25500">
               <a:latin typeface="Almarai Bold"/>
@@ -5184,7 +5233,7 @@
         <p:spPr bwMode="auto">
           <a:xfrm flipH="0" flipV="0">
             <a:off x="1178842" y="4911531"/>
-            <a:ext cx="10013891" cy="457235"/>
+            <a:ext cx="10013459" cy="457235"/>
           </a:xfrm>
           <a:prstGeom prst="rect">
             <a:avLst/>
@@ -5211,7 +5260,35 @@
                 <a:ea typeface="Almarai Bold"/>
                 <a:cs typeface="Almarai Bold"/>
               </a:rPr>
-              <a:t>“scp all the things”</a:t>
+              <a:t>“</a:t>
+            </a:r>
+            <a:r>
+              <a:rPr lang="en-US" sz="2400" b="0" i="0" u="none" strike="noStrike" cap="none" spc="0">
+                <a:solidFill>
+                  <a:schemeClr val="tx1">
+                    <a:lumMod val="50000"/>
+                    <a:lumOff val="50000"/>
+                  </a:schemeClr>
+                </a:solidFill>
+                <a:latin typeface="Almarai Bold"/>
+                <a:ea typeface="Almarai Bold"/>
+                <a:cs typeface="Almarai Bold"/>
+              </a:rPr>
+              <a:t>docker-compose --profile=osm up -d</a:t>
+            </a:r>
+            <a:r>
+              <a:rPr sz="2400">
+                <a:solidFill>
+                  <a:schemeClr val="tx1">
+                    <a:lumMod val="50000"/>
+                    <a:lumOff val="50000"/>
+                  </a:schemeClr>
+                </a:solidFill>
+                <a:latin typeface="Almarai Bold"/>
+                <a:ea typeface="Almarai Bold"/>
+                <a:cs typeface="Almarai Bold"/>
+              </a:rPr>
+              <a:t>”</a:t>
             </a:r>
             <a:endParaRPr sz="2400">
               <a:solidFill>
@@ -5241,14 +5318,60 @@
         </p:blipFill>
         <p:spPr bwMode="auto">
           <a:xfrm flipH="0" flipV="0">
-            <a:off x="9034035" y="293381"/>
-            <a:ext cx="2465238" cy="2465238"/>
+            <a:off x="9391131" y="821583"/>
+            <a:ext cx="1934191" cy="1934191"/>
           </a:xfrm>
           <a:prstGeom prst="rect">
             <a:avLst/>
           </a:prstGeom>
         </p:spPr>
       </p:pic>
+      <p:sp>
+        <p:nvSpPr>
+          <p:cNvPr id="10" name="" hidden="0"/>
+          <p:cNvSpPr/>
+          <p:nvPr isPhoto="0" userDrawn="0"/>
+        </p:nvSpPr>
+        <p:spPr bwMode="auto">
+          <a:xfrm rot="19343376" flipH="0" flipV="0">
+            <a:off x="123985" y="950020"/>
+            <a:ext cx="2837764" cy="822996"/>
+          </a:xfrm>
+          <a:prstGeom prst="rect">
+            <a:avLst/>
+          </a:prstGeom>
+          <a:noFill/>
+        </p:spPr>
+        <p:txBody>
+          <a:bodyPr vertOverflow="overflow" horzOverflow="clip" vert="horz" wrap="square" lIns="91440" tIns="45720" rIns="91440" bIns="45720" numCol="1" spcCol="0" rtlCol="0" fromWordArt="0" anchor="t" anchorCtr="0" forceAA="0" upright="0" compatLnSpc="0">
+            <a:noAutofit/>
+          </a:bodyPr>
+          <a:p>
+            <a:pPr>
+              <a:defRPr/>
+            </a:pPr>
+            <a:r>
+              <a:rPr sz="4800">
+                <a:solidFill>
+                  <a:srgbClr val="FF0000"/>
+                </a:solidFill>
+                <a:latin typeface="Almarai Bold"/>
+                <a:ea typeface="Almarai Bold"/>
+                <a:cs typeface="Almarai Bold"/>
+              </a:rPr>
+              <a:t>in review</a:t>
+            </a:r>
+            <a:endParaRPr sz="4800">
+              <a:solidFill>
+                <a:srgbClr val="FF0000"/>
+              </a:solidFill>
+              <a:latin typeface="Almarai Bold"/>
+              <a:ea typeface="Almarai Bold"/>
+              <a:cs typeface="Almarai Bold"/>
+            </a:endParaRPr>
+          </a:p>
+        </p:txBody>
+      </p:sp>
     </p:spTree>
   </p:cSld>
   <p:clrMapOvr>
@@ -5354,7 +5477,7 @@
         <p:spPr bwMode="auto">
           <a:xfrm flipH="0" flipV="0">
             <a:off x="1178842" y="3828552"/>
-            <a:ext cx="10014612" cy="822996"/>
+            <a:ext cx="10012380" cy="822996"/>
           </a:xfrm>
           <a:prstGeom prst="rect">
             <a:avLst/>
@@ -5375,7 +5498,7 @@
                 <a:ea typeface="Almarai Bold"/>
                 <a:cs typeface="Almarai Bold"/>
               </a:rPr>
-              <a:t>Mapproxy</a:t>
+              <a:t>Publishing a QGIS Project</a:t>
             </a:r>
             <a:endParaRPr sz="4800">
               <a:latin typeface="Almarai Bold"/>
@@ -5415,7 +5538,7 @@
                 <a:ea typeface="Almarai Bold"/>
                 <a:cs typeface="Almarai Bold"/>
               </a:rPr>
-              <a:t>5.</a:t>
+              <a:t>4.</a:t>
             </a:r>
             <a:endParaRPr sz="25500">
               <a:latin typeface="Almarai Bold"/>
@@ -5434,7 +5557,7 @@
         <p:spPr bwMode="auto">
           <a:xfrm flipH="0" flipV="0">
             <a:off x="1178842" y="4911531"/>
-            <a:ext cx="10014647" cy="457235"/>
+            <a:ext cx="10013891" cy="457235"/>
           </a:xfrm>
           <a:prstGeom prst="rect">
             <a:avLst/>
@@ -5461,7 +5584,7 @@
                 <a:ea typeface="Almarai Bold"/>
                 <a:cs typeface="Almarai Bold"/>
               </a:rPr>
-              <a:t>“save cash use a cache”</a:t>
+              <a:t>“scp all the things”</a:t>
             </a:r>
             <a:endParaRPr sz="2400">
               <a:solidFill>
@@ -5491,8 +5614,8 @@
         </p:blipFill>
         <p:spPr bwMode="auto">
           <a:xfrm flipH="0" flipV="0">
-            <a:off x="7510877" y="573104"/>
-            <a:ext cx="3994047" cy="852062"/>
+            <a:off x="9034035" y="293381"/>
+            <a:ext cx="2465238" cy="2465238"/>
           </a:xfrm>
           <a:prstGeom prst="rect">
             <a:avLst/>
@@ -5604,7 +5727,7 @@
         <p:spPr bwMode="auto">
           <a:xfrm flipH="0" flipV="0">
             <a:off x="1178842" y="3828552"/>
-            <a:ext cx="10014936" cy="822996"/>
+            <a:ext cx="10014612" cy="822996"/>
           </a:xfrm>
           <a:prstGeom prst="rect">
             <a:avLst/>
@@ -5625,7 +5748,7 @@
                 <a:ea typeface="Almarai Bold"/>
                 <a:cs typeface="Almarai Bold"/>
               </a:rPr>
-              <a:t>GeoServer</a:t>
+              <a:t>Mapproxy</a:t>
             </a:r>
             <a:endParaRPr sz="4800">
               <a:latin typeface="Almarai Bold"/>
@@ -5665,7 +5788,7 @@
                 <a:ea typeface="Almarai Bold"/>
                 <a:cs typeface="Almarai Bold"/>
               </a:rPr>
-              <a:t>6.</a:t>
+              <a:t>5.</a:t>
             </a:r>
             <a:endParaRPr sz="25500">
               <a:latin typeface="Almarai Bold"/>
@@ -5684,7 +5807,7 @@
         <p:spPr bwMode="auto">
           <a:xfrm flipH="0" flipV="0">
             <a:off x="1178842" y="4911531"/>
-            <a:ext cx="10015835" cy="457235"/>
+            <a:ext cx="10014647" cy="457235"/>
           </a:xfrm>
           <a:prstGeom prst="rect">
             <a:avLst/>
@@ -5711,7 +5834,7 @@
                 <a:ea typeface="Almarai Bold"/>
                 <a:cs typeface="Almarai Bold"/>
               </a:rPr>
-              <a:t>“because nice people use standards”</a:t>
+              <a:t>“save cash use a cache”</a:t>
             </a:r>
             <a:endParaRPr sz="2400">
               <a:solidFill>
@@ -5740,9 +5863,9 @@
           <a:stretch/>
         </p:blipFill>
         <p:spPr bwMode="auto">
-          <a:xfrm>
-            <a:off x="8162368" y="151420"/>
-            <a:ext cx="3524249" cy="1962149"/>
+          <a:xfrm flipH="0" flipV="0">
+            <a:off x="7510877" y="573104"/>
+            <a:ext cx="3994047" cy="852062"/>
           </a:xfrm>
           <a:prstGeom prst="rect">
             <a:avLst/>
@@ -5854,7 +5977,7 @@
         <p:spPr bwMode="auto">
           <a:xfrm flipH="0" flipV="0">
             <a:off x="1178842" y="3828552"/>
-            <a:ext cx="10015152" cy="822996"/>
+            <a:ext cx="10014936" cy="822996"/>
           </a:xfrm>
           <a:prstGeom prst="rect">
             <a:avLst/>
@@ -5875,7 +5998,7 @@
                 <a:ea typeface="Almarai Bold"/>
                 <a:cs typeface="Almarai Bold"/>
               </a:rPr>
-              <a:t>Mergin</a:t>
+              <a:t>GeoServer</a:t>
             </a:r>
             <a:endParaRPr sz="4800">
               <a:latin typeface="Almarai Bold"/>
@@ -5915,7 +6038,7 @@
                 <a:ea typeface="Almarai Bold"/>
                 <a:cs typeface="Almarai Bold"/>
               </a:rPr>
-              <a:t>7.</a:t>
+              <a:t>6.</a:t>
             </a:r>
             <a:endParaRPr sz="25500">
               <a:latin typeface="Almarai Bold"/>
@@ -5934,7 +6057,7 @@
         <p:spPr bwMode="auto">
           <a:xfrm flipH="0" flipV="0">
             <a:off x="1178842" y="4911531"/>
-            <a:ext cx="10016627" cy="457235"/>
+            <a:ext cx="10015835" cy="457235"/>
           </a:xfrm>
           <a:prstGeom prst="rect">
             <a:avLst/>
@@ -5961,21 +6084,7 @@
                 <a:ea typeface="Almarai Bold"/>
                 <a:cs typeface="Almarai Bold"/>
               </a:rPr>
-              <a:t>“</a:t>
-            </a:r>
-            <a:r>
-              <a:rPr lang="en-US" sz="2400" b="0" i="0" u="none" strike="noStrike" cap="none" spc="0">
-                <a:solidFill>
-                  <a:schemeClr val="tx1">
-                    <a:lumMod val="50000"/>
-                    <a:lumOff val="50000"/>
-                  </a:schemeClr>
-                </a:solidFill>
-                <a:latin typeface="Almarai Bold"/>
-                <a:ea typeface="Almarai Bold"/>
-                <a:cs typeface="Almarai Bold"/>
-              </a:rPr>
-              <a:t>docker-compose --profile=mergin up -d mergin-sync”</a:t>
+              <a:t>“because nice people use standards”</a:t>
             </a:r>
             <a:endParaRPr sz="2400">
               <a:solidFill>
@@ -6004,31 +6113,9 @@
           <a:stretch/>
         </p:blipFill>
         <p:spPr bwMode="auto">
-          <a:xfrm flipH="0" flipV="0">
-            <a:off x="9609174" y="415631"/>
-            <a:ext cx="2114985" cy="1495424"/>
-          </a:xfrm>
-          <a:prstGeom prst="rect">
-            <a:avLst/>
-          </a:prstGeom>
-        </p:spPr>
-      </p:pic>
-      <p:pic>
-        <p:nvPicPr>
-          <p:cNvPr id="10" name="" hidden="0"/>
-          <p:cNvPicPr>
-            <a:picLocks noChangeAspect="1"/>
-          </p:cNvPicPr>
-          <p:nvPr isPhoto="0" userDrawn="0"/>
-        </p:nvPicPr>
-        <p:blipFill>
-          <a:blip r:embed="rId4"/>
-          <a:stretch/>
-        </p:blipFill>
-        <p:spPr bwMode="auto">
-          <a:xfrm flipH="0" flipV="0">
-            <a:off x="9609414" y="2113570"/>
-            <a:ext cx="2114744" cy="1069619"/>
+          <a:xfrm>
+            <a:off x="8162368" y="151420"/>
+            <a:ext cx="3524249" cy="1962149"/>
           </a:xfrm>
           <a:prstGeom prst="rect">
             <a:avLst/>
